--- a/study_note/RNN.pptx
+++ b/study_note/RNN.pptx
@@ -106,6 +106,11 @@
       </a:defRPr>
     </a:lvl9pPr>
   </p:defaultTextStyle>
+  <p:extLst>
+    <p:ext uri="{EFAFB233-063F-42B5-8137-9DF3F51BA10A}">
+      <p15:sldGuideLst xmlns:p15="http://schemas.microsoft.com/office/powerpoint/2012/main"/>
+    </p:ext>
+  </p:extLst>
 </p:presentation>
 </file>
 
@@ -256,7 +261,7 @@
           <a:p>
             <a:fld id="{4309D002-76C6-445B-97A4-E4419B8B6083}" type="datetimeFigureOut">
               <a:rPr lang="zh-CN" altLang="en-US" smtClean="0"/>
-              <a:t>2019/9/11</a:t>
+              <a:t>2019/9/12</a:t>
             </a:fld>
             <a:endParaRPr lang="zh-CN" altLang="en-US"/>
           </a:p>
@@ -454,7 +459,7 @@
           <a:p>
             <a:fld id="{4309D002-76C6-445B-97A4-E4419B8B6083}" type="datetimeFigureOut">
               <a:rPr lang="zh-CN" altLang="en-US" smtClean="0"/>
-              <a:t>2019/9/11</a:t>
+              <a:t>2019/9/12</a:t>
             </a:fld>
             <a:endParaRPr lang="zh-CN" altLang="en-US"/>
           </a:p>
@@ -662,7 +667,7 @@
           <a:p>
             <a:fld id="{4309D002-76C6-445B-97A4-E4419B8B6083}" type="datetimeFigureOut">
               <a:rPr lang="zh-CN" altLang="en-US" smtClean="0"/>
-              <a:t>2019/9/11</a:t>
+              <a:t>2019/9/12</a:t>
             </a:fld>
             <a:endParaRPr lang="zh-CN" altLang="en-US"/>
           </a:p>
@@ -860,7 +865,7 @@
           <a:p>
             <a:fld id="{4309D002-76C6-445B-97A4-E4419B8B6083}" type="datetimeFigureOut">
               <a:rPr lang="zh-CN" altLang="en-US" smtClean="0"/>
-              <a:t>2019/9/11</a:t>
+              <a:t>2019/9/12</a:t>
             </a:fld>
             <a:endParaRPr lang="zh-CN" altLang="en-US"/>
           </a:p>
@@ -1135,7 +1140,7 @@
           <a:p>
             <a:fld id="{4309D002-76C6-445B-97A4-E4419B8B6083}" type="datetimeFigureOut">
               <a:rPr lang="zh-CN" altLang="en-US" smtClean="0"/>
-              <a:t>2019/9/11</a:t>
+              <a:t>2019/9/12</a:t>
             </a:fld>
             <a:endParaRPr lang="zh-CN" altLang="en-US"/>
           </a:p>
@@ -1400,7 +1405,7 @@
           <a:p>
             <a:fld id="{4309D002-76C6-445B-97A4-E4419B8B6083}" type="datetimeFigureOut">
               <a:rPr lang="zh-CN" altLang="en-US" smtClean="0"/>
-              <a:t>2019/9/11</a:t>
+              <a:t>2019/9/12</a:t>
             </a:fld>
             <a:endParaRPr lang="zh-CN" altLang="en-US"/>
           </a:p>
@@ -1812,7 +1817,7 @@
           <a:p>
             <a:fld id="{4309D002-76C6-445B-97A4-E4419B8B6083}" type="datetimeFigureOut">
               <a:rPr lang="zh-CN" altLang="en-US" smtClean="0"/>
-              <a:t>2019/9/11</a:t>
+              <a:t>2019/9/12</a:t>
             </a:fld>
             <a:endParaRPr lang="zh-CN" altLang="en-US"/>
           </a:p>
@@ -1953,7 +1958,7 @@
           <a:p>
             <a:fld id="{4309D002-76C6-445B-97A4-E4419B8B6083}" type="datetimeFigureOut">
               <a:rPr lang="zh-CN" altLang="en-US" smtClean="0"/>
-              <a:t>2019/9/11</a:t>
+              <a:t>2019/9/12</a:t>
             </a:fld>
             <a:endParaRPr lang="zh-CN" altLang="en-US"/>
           </a:p>
@@ -2066,7 +2071,7 @@
           <a:p>
             <a:fld id="{4309D002-76C6-445B-97A4-E4419B8B6083}" type="datetimeFigureOut">
               <a:rPr lang="zh-CN" altLang="en-US" smtClean="0"/>
-              <a:t>2019/9/11</a:t>
+              <a:t>2019/9/12</a:t>
             </a:fld>
             <a:endParaRPr lang="zh-CN" altLang="en-US"/>
           </a:p>
@@ -2377,7 +2382,7 @@
           <a:p>
             <a:fld id="{4309D002-76C6-445B-97A4-E4419B8B6083}" type="datetimeFigureOut">
               <a:rPr lang="zh-CN" altLang="en-US" smtClean="0"/>
-              <a:t>2019/9/11</a:t>
+              <a:t>2019/9/12</a:t>
             </a:fld>
             <a:endParaRPr lang="zh-CN" altLang="en-US"/>
           </a:p>
@@ -2665,7 +2670,7 @@
           <a:p>
             <a:fld id="{4309D002-76C6-445B-97A4-E4419B8B6083}" type="datetimeFigureOut">
               <a:rPr lang="zh-CN" altLang="en-US" smtClean="0"/>
-              <a:t>2019/9/11</a:t>
+              <a:t>2019/9/12</a:t>
             </a:fld>
             <a:endParaRPr lang="zh-CN" altLang="en-US"/>
           </a:p>
@@ -2906,7 +2911,7 @@
           <a:p>
             <a:fld id="{4309D002-76C6-445B-97A4-E4419B8B6083}" type="datetimeFigureOut">
               <a:rPr lang="zh-CN" altLang="en-US" smtClean="0"/>
-              <a:t>2019/9/11</a:t>
+              <a:t>2019/9/12</a:t>
             </a:fld>
             <a:endParaRPr lang="zh-CN" altLang="en-US"/>
           </a:p>
@@ -5509,7 +5514,31 @@
                 </a:solidFill>
                 <a:latin typeface="Consolas" panose="020B0609020204030204" pitchFamily="49" charset="0"/>
               </a:rPr>
-              <a:t>层数还不太清楚？</a:t>
+              <a:t>多个</a:t>
+            </a:r>
+            <a:r>
+              <a:rPr lang="en-US" altLang="zh-CN" sz="900" dirty="0">
+                <a:solidFill>
+                  <a:schemeClr val="accent6">
+                    <a:lumMod val="60000"/>
+                    <a:lumOff val="40000"/>
+                  </a:schemeClr>
+                </a:solidFill>
+                <a:latin typeface="Consolas" panose="020B0609020204030204" pitchFamily="49" charset="0"/>
+              </a:rPr>
+              <a:t>RNN</a:t>
+            </a:r>
+            <a:r>
+              <a:rPr lang="zh-CN" altLang="en-US" sz="900" dirty="0">
+                <a:solidFill>
+                  <a:schemeClr val="accent6">
+                    <a:lumMod val="60000"/>
+                    <a:lumOff val="40000"/>
+                  </a:schemeClr>
+                </a:solidFill>
+                <a:latin typeface="Consolas" panose="020B0609020204030204" pitchFamily="49" charset="0"/>
+              </a:rPr>
+              <a:t>竖直方向连接在一起不影响输出维度</a:t>
             </a:r>
             <a:endParaRPr lang="en-US" altLang="zh-CN" sz="900" dirty="0">
               <a:solidFill>
@@ -5550,40 +5579,16 @@
                 </a:solidFill>
                 <a:latin typeface="Consolas" panose="020B0609020204030204" pitchFamily="49" charset="0"/>
               </a:rPr>
-              <a:t># </a:t>
-            </a:r>
-            <a:r>
-              <a:rPr lang="zh-CN" altLang="en-US" sz="900" dirty="0">
-                <a:solidFill>
-                  <a:schemeClr val="accent6">
-                    <a:lumMod val="60000"/>
-                    <a:lumOff val="40000"/>
-                  </a:schemeClr>
-                </a:solidFill>
-                <a:latin typeface="Consolas" panose="020B0609020204030204" pitchFamily="49" charset="0"/>
-              </a:rPr>
-              <a:t>不太清楚这个的含义？</a:t>
-            </a:r>
+              <a:t># ?</a:t>
+            </a:r>
+          </a:p>
+          <a:p>
             <a:endParaRPr lang="en-US" altLang="zh-CN" sz="900" dirty="0">
               <a:solidFill>
-                <a:schemeClr val="accent6">
-                  <a:lumMod val="60000"/>
-                  <a:lumOff val="40000"/>
-                </a:schemeClr>
+                <a:srgbClr val="0070C0"/>
               </a:solidFill>
               <a:latin typeface="Consolas" panose="020B0609020204030204" pitchFamily="49" charset="0"/>
             </a:endParaRPr>
-          </a:p>
-          <a:p>
-            <a:r>
-              <a:rPr lang="en-US" altLang="zh-CN" sz="900" dirty="0">
-                <a:solidFill>
-                  <a:srgbClr val="0070C0"/>
-                </a:solidFill>
-                <a:latin typeface="Consolas" panose="020B0609020204030204" pitchFamily="49" charset="0"/>
-              </a:rPr>
-              <a:t> </a:t>
-            </a:r>
           </a:p>
           <a:p>
             <a:r>
